--- a/Oriented FAST.pptx
+++ b/Oriented FAST.pptx
@@ -9,6 +9,9 @@
     <p:sldId id="257" r:id="rId3"/>
     <p:sldId id="258" r:id="rId4"/>
     <p:sldId id="259" r:id="rId5"/>
+    <p:sldId id="260" r:id="rId6"/>
+    <p:sldId id="261" r:id="rId7"/>
+    <p:sldId id="262" r:id="rId8"/>
   </p:sldIdLst>
   <p:sldSz cx="12192000" cy="6858000"/>
   <p:notesSz cx="6858000" cy="9144000"/>
@@ -107,6 +110,11 @@
       </a:defRPr>
     </a:lvl9pPr>
   </p:defaultTextStyle>
+  <p:extLst>
+    <p:ext uri="{EFAFB233-063F-42B5-8137-9DF3F51BA10A}">
+      <p15:sldGuideLst xmlns:p15="http://schemas.microsoft.com/office/powerpoint/2012/main"/>
+    </p:ext>
+  </p:extLst>
 </p:presentation>
 </file>
 
@@ -271,7 +279,7 @@
           <a:p>
             <a:fld id="{839BD498-DA88-4731-8075-1B4D30B755EF}" type="datetimeFigureOut">
               <a:rPr lang="ko-KR" altLang="en-US" smtClean="0"/>
-              <a:t>2021-09-13</a:t>
+              <a:t>2021-09-15</a:t>
             </a:fld>
             <a:endParaRPr lang="ko-KR" altLang="en-US"/>
           </a:p>
@@ -471,7 +479,7 @@
           <a:p>
             <a:fld id="{839BD498-DA88-4731-8075-1B4D30B755EF}" type="datetimeFigureOut">
               <a:rPr lang="ko-KR" altLang="en-US" smtClean="0"/>
-              <a:t>2021-09-13</a:t>
+              <a:t>2021-09-15</a:t>
             </a:fld>
             <a:endParaRPr lang="ko-KR" altLang="en-US"/>
           </a:p>
@@ -681,7 +689,7 @@
           <a:p>
             <a:fld id="{839BD498-DA88-4731-8075-1B4D30B755EF}" type="datetimeFigureOut">
               <a:rPr lang="ko-KR" altLang="en-US" smtClean="0"/>
-              <a:t>2021-09-13</a:t>
+              <a:t>2021-09-15</a:t>
             </a:fld>
             <a:endParaRPr lang="ko-KR" altLang="en-US"/>
           </a:p>
@@ -881,7 +889,7 @@
           <a:p>
             <a:fld id="{839BD498-DA88-4731-8075-1B4D30B755EF}" type="datetimeFigureOut">
               <a:rPr lang="ko-KR" altLang="en-US" smtClean="0"/>
-              <a:t>2021-09-13</a:t>
+              <a:t>2021-09-15</a:t>
             </a:fld>
             <a:endParaRPr lang="ko-KR" altLang="en-US"/>
           </a:p>
@@ -1157,7 +1165,7 @@
           <a:p>
             <a:fld id="{839BD498-DA88-4731-8075-1B4D30B755EF}" type="datetimeFigureOut">
               <a:rPr lang="ko-KR" altLang="en-US" smtClean="0"/>
-              <a:t>2021-09-13</a:t>
+              <a:t>2021-09-15</a:t>
             </a:fld>
             <a:endParaRPr lang="ko-KR" altLang="en-US"/>
           </a:p>
@@ -1425,7 +1433,7 @@
           <a:p>
             <a:fld id="{839BD498-DA88-4731-8075-1B4D30B755EF}" type="datetimeFigureOut">
               <a:rPr lang="ko-KR" altLang="en-US" smtClean="0"/>
-              <a:t>2021-09-13</a:t>
+              <a:t>2021-09-15</a:t>
             </a:fld>
             <a:endParaRPr lang="ko-KR" altLang="en-US"/>
           </a:p>
@@ -1840,7 +1848,7 @@
           <a:p>
             <a:fld id="{839BD498-DA88-4731-8075-1B4D30B755EF}" type="datetimeFigureOut">
               <a:rPr lang="ko-KR" altLang="en-US" smtClean="0"/>
-              <a:t>2021-09-13</a:t>
+              <a:t>2021-09-15</a:t>
             </a:fld>
             <a:endParaRPr lang="ko-KR" altLang="en-US"/>
           </a:p>
@@ -1982,7 +1990,7 @@
           <a:p>
             <a:fld id="{839BD498-DA88-4731-8075-1B4D30B755EF}" type="datetimeFigureOut">
               <a:rPr lang="ko-KR" altLang="en-US" smtClean="0"/>
-              <a:t>2021-09-13</a:t>
+              <a:t>2021-09-15</a:t>
             </a:fld>
             <a:endParaRPr lang="ko-KR" altLang="en-US"/>
           </a:p>
@@ -2095,7 +2103,7 @@
           <a:p>
             <a:fld id="{839BD498-DA88-4731-8075-1B4D30B755EF}" type="datetimeFigureOut">
               <a:rPr lang="ko-KR" altLang="en-US" smtClean="0"/>
-              <a:t>2021-09-13</a:t>
+              <a:t>2021-09-15</a:t>
             </a:fld>
             <a:endParaRPr lang="ko-KR" altLang="en-US"/>
           </a:p>
@@ -2408,7 +2416,7 @@
           <a:p>
             <a:fld id="{839BD498-DA88-4731-8075-1B4D30B755EF}" type="datetimeFigureOut">
               <a:rPr lang="ko-KR" altLang="en-US" smtClean="0"/>
-              <a:t>2021-09-13</a:t>
+              <a:t>2021-09-15</a:t>
             </a:fld>
             <a:endParaRPr lang="ko-KR" altLang="en-US"/>
           </a:p>
@@ -2697,7 +2705,7 @@
           <a:p>
             <a:fld id="{839BD498-DA88-4731-8075-1B4D30B755EF}" type="datetimeFigureOut">
               <a:rPr lang="ko-KR" altLang="en-US" smtClean="0"/>
-              <a:t>2021-09-13</a:t>
+              <a:t>2021-09-15</a:t>
             </a:fld>
             <a:endParaRPr lang="ko-KR" altLang="en-US"/>
           </a:p>
@@ -2940,7 +2948,7 @@
           <a:p>
             <a:fld id="{839BD498-DA88-4731-8075-1B4D30B755EF}" type="datetimeFigureOut">
               <a:rPr lang="ko-KR" altLang="en-US" smtClean="0"/>
-              <a:t>2021-09-13</a:t>
+              <a:t>2021-09-15</a:t>
             </a:fld>
             <a:endParaRPr lang="ko-KR" altLang="en-US"/>
           </a:p>
@@ -3805,7 +3813,7 @@
             </a:r>
             <a:r>
               <a:rPr lang="ko-KR" altLang="en-US" sz="2000" dirty="0"/>
-              <a:t>가속화한 세그먼트 검사로부터의 특징</a:t>
+              <a:t>가속화된 세그먼트 검사로부터의 특징</a:t>
             </a:r>
             <a:r>
               <a:rPr lang="en-US" altLang="ko-KR" sz="2000" dirty="0"/>
@@ -3876,7 +3884,15 @@
             </a:r>
             <a:r>
               <a:rPr lang="ko-KR" altLang="en-US" sz="2000" dirty="0"/>
-              <a:t>는 화소 강도의 순간변화율을 이용하는 방법론임</a:t>
+              <a:t>는 화소 강도의 </a:t>
+            </a:r>
+            <a:r>
+              <a:rPr lang="ko-KR" altLang="en-US" sz="2000" b="1" dirty="0"/>
+              <a:t>순간변화율</a:t>
+            </a:r>
+            <a:r>
+              <a:rPr lang="ko-KR" altLang="en-US" sz="2000" dirty="0"/>
+              <a:t>을 이용하는 방법론임</a:t>
             </a:r>
             <a:endParaRPr lang="en-US" altLang="ko-KR" sz="2000" dirty="0"/>
           </a:p>
@@ -3887,15 +3903,89 @@
               <a:t>화소 강도 </a:t>
             </a:r>
             <a:r>
-              <a:rPr lang="en-US" altLang="ko-KR" sz="1600"/>
+              <a:rPr lang="en-US" altLang="ko-KR" sz="1600" dirty="0"/>
               <a:t>: </a:t>
             </a:r>
+            <a:r>
+              <a:rPr lang="ko-KR" altLang="en-US" sz="1600" dirty="0"/>
+              <a:t>회색조 영상에서 밝기를 나타내는 정도</a:t>
+            </a:r>
+            <a:r>
+              <a:rPr lang="en-US" altLang="ko-KR" sz="1600" dirty="0"/>
+              <a:t>. </a:t>
+            </a:r>
+            <a:r>
+              <a:rPr lang="ko-KR" altLang="en-US" sz="1600" dirty="0"/>
+              <a:t>흔히 </a:t>
+            </a:r>
+            <a:r>
+              <a:rPr lang="en-US" altLang="ko-KR" sz="1600" dirty="0"/>
+              <a:t>8</a:t>
+            </a:r>
+            <a:r>
+              <a:rPr lang="ko-KR" altLang="en-US" sz="1600" dirty="0"/>
+              <a:t>비트</a:t>
+            </a:r>
+            <a:r>
+              <a:rPr lang="en-US" altLang="ko-KR" sz="1600" dirty="0"/>
+              <a:t> </a:t>
+            </a:r>
+            <a:r>
+              <a:rPr lang="ko-KR" altLang="en-US" sz="1600" dirty="0"/>
+              <a:t>정수로 표현됨</a:t>
+            </a:r>
             <a:endParaRPr lang="en-US" altLang="ko-KR" sz="1600" dirty="0"/>
           </a:p>
           <a:p>
             <a:endParaRPr lang="en-US" altLang="ko-KR" sz="2000" dirty="0"/>
           </a:p>
           <a:p>
+            <a:r>
+              <a:rPr lang="en-US" altLang="ko-KR" sz="2000" dirty="0"/>
+              <a:t>SUSAN</a:t>
+            </a:r>
+            <a:r>
+              <a:rPr lang="ko-KR" altLang="en-US" sz="2000" dirty="0"/>
+              <a:t>의 경우</a:t>
+            </a:r>
+            <a:r>
+              <a:rPr lang="en-US" altLang="ko-KR" sz="2000" dirty="0"/>
+              <a:t>, </a:t>
+            </a:r>
+            <a:r>
+              <a:rPr lang="ko-KR" altLang="en-US" sz="2000" dirty="0"/>
+              <a:t>선택된 화소 주변에 비슷한 강도의 화소가 얼마나 </a:t>
+            </a:r>
+            <a:r>
+              <a:rPr lang="ko-KR" altLang="en-US" sz="2000" b="1" dirty="0"/>
+              <a:t>적은지</a:t>
+            </a:r>
+            <a:r>
+              <a:rPr lang="ko-KR" altLang="en-US" sz="2000" dirty="0"/>
+              <a:t>를 기준으로 함</a:t>
+            </a:r>
+            <a:endParaRPr lang="en-US" altLang="ko-KR" sz="2000" dirty="0"/>
+          </a:p>
+          <a:p>
+            <a:endParaRPr lang="en-US" altLang="ko-KR" sz="2000" dirty="0"/>
+          </a:p>
+          <a:p>
+            <a:r>
+              <a:rPr lang="ko-KR" altLang="en-US" sz="2000" dirty="0"/>
+              <a:t>계산이 필요한 변화율이 아니라 눈에 보이는</a:t>
+            </a:r>
+            <a:r>
+              <a:rPr lang="en-US" altLang="ko-KR" sz="2000" dirty="0"/>
+              <a:t> </a:t>
+            </a:r>
+            <a:r>
+              <a:rPr lang="ko-KR" altLang="en-US" sz="2000" b="1" dirty="0"/>
+              <a:t>지역적 특성</a:t>
+            </a:r>
+            <a:r>
+              <a:rPr lang="ko-KR" altLang="en-US" sz="2000" dirty="0"/>
+              <a:t>을 이용한다는 발상에 주목</a:t>
+            </a:r>
             <a:endParaRPr lang="en-US" altLang="ko-KR" sz="2000" dirty="0"/>
           </a:p>
         </p:txBody>
@@ -3904,6 +3994,946 @@
     <p:extLst>
       <p:ext uri="{BB962C8B-B14F-4D97-AF65-F5344CB8AC3E}">
         <p14:creationId xmlns:p14="http://schemas.microsoft.com/office/powerpoint/2010/main" val="2886718770"/>
+      </p:ext>
+    </p:extLst>
+  </p:cSld>
+  <p:clrMapOvr>
+    <a:masterClrMapping/>
+  </p:clrMapOvr>
+</p:sld>
+</file>
+
+<file path=ppt/slides/slide5.xml><?xml version="1.0" encoding="utf-8"?>
+<p:sld xmlns:a="http://schemas.openxmlformats.org/drawingml/2006/main" xmlns:r="http://schemas.openxmlformats.org/officeDocument/2006/relationships" xmlns:p="http://schemas.openxmlformats.org/presentationml/2006/main">
+  <p:cSld>
+    <p:spTree>
+      <p:nvGrpSpPr>
+        <p:cNvPr id="1" name=""/>
+        <p:cNvGrpSpPr/>
+        <p:nvPr/>
+      </p:nvGrpSpPr>
+      <p:grpSpPr>
+        <a:xfrm>
+          <a:off x="0" y="0"/>
+          <a:ext cx="0" cy="0"/>
+          <a:chOff x="0" y="0"/>
+          <a:chExt cx="0" cy="0"/>
+        </a:xfrm>
+      </p:grpSpPr>
+      <p:sp>
+        <p:nvSpPr>
+          <p:cNvPr id="2" name="Title 1">
+            <a:extLst>
+              <a:ext uri="{FF2B5EF4-FFF2-40B4-BE49-F238E27FC236}">
+                <a16:creationId xmlns:a16="http://schemas.microsoft.com/office/drawing/2014/main" id="{F6A35D5B-47BB-473A-8998-3ABF75253F1C}"/>
+              </a:ext>
+            </a:extLst>
+          </p:cNvPr>
+          <p:cNvSpPr>
+            <a:spLocks noGrp="1"/>
+          </p:cNvSpPr>
+          <p:nvPr>
+            <p:ph type="title"/>
+          </p:nvPr>
+        </p:nvSpPr>
+        <p:spPr/>
+        <p:txBody>
+          <a:bodyPr/>
+          <a:lstStyle/>
+          <a:p>
+            <a:r>
+              <a:rPr lang="en-US" altLang="ko-KR" dirty="0"/>
+              <a:t>Features from Accelerated Segment Test</a:t>
+            </a:r>
+            <a:endParaRPr lang="ko-KR" altLang="en-US" dirty="0"/>
+          </a:p>
+        </p:txBody>
+      </p:sp>
+      <mc:AlternateContent xmlns:mc="http://schemas.openxmlformats.org/markup-compatibility/2006">
+        <mc:Choice xmlns:a14="http://schemas.microsoft.com/office/drawing/2010/main" Requires="a14">
+          <p:sp>
+            <p:nvSpPr>
+              <p:cNvPr id="3" name="Content Placeholder 2">
+                <a:extLst>
+                  <a:ext uri="{FF2B5EF4-FFF2-40B4-BE49-F238E27FC236}">
+                    <a16:creationId xmlns:a16="http://schemas.microsoft.com/office/drawing/2014/main" id="{D65AEEE7-5789-48F0-B47D-DFEA0E22DA1E}"/>
+                  </a:ext>
+                </a:extLst>
+              </p:cNvPr>
+              <p:cNvSpPr>
+                <a:spLocks noGrp="1"/>
+              </p:cNvSpPr>
+              <p:nvPr>
+                <p:ph idx="1"/>
+              </p:nvPr>
+            </p:nvSpPr>
+            <p:spPr/>
+            <p:txBody>
+              <a:bodyPr>
+                <a:normAutofit/>
+              </a:bodyPr>
+              <a:lstStyle/>
+              <a:p>
+                <a:r>
+                  <a:rPr lang="ko-KR" altLang="en-US" sz="2000" dirty="0"/>
+                  <a:t>특징점 후보인 화소 </a:t>
+                </a:r>
+                <a14:m>
+                  <m:oMath xmlns:m="http://schemas.openxmlformats.org/officeDocument/2006/math">
+                    <m:r>
+                      <a:rPr lang="en-US" altLang="ko-KR" sz="2000" b="0" i="1" smtClean="0">
+                        <a:latin typeface="Cambria Math" panose="02040503050406030204" pitchFamily="18" charset="0"/>
+                      </a:rPr>
+                      <m:t>𝑝</m:t>
+                    </m:r>
+                  </m:oMath>
+                </a14:m>
+                <a:r>
+                  <a:rPr lang="ko-KR" altLang="en-US" sz="2000" dirty="0"/>
+                  <a:t>를 중심으로 하는 </a:t>
+                </a:r>
+                <a:r>
+                  <a:rPr lang="en-US" altLang="ko-KR" sz="2000" dirty="0" err="1"/>
+                  <a:t>Bresenham</a:t>
+                </a:r>
+                <a:r>
+                  <a:rPr lang="en-US" altLang="ko-KR" sz="2000" dirty="0"/>
+                  <a:t> </a:t>
+                </a:r>
+                <a:r>
+                  <a:rPr lang="ko-KR" altLang="en-US" sz="2000" dirty="0"/>
+                  <a:t>원을 생각해보자</a:t>
+                </a:r>
+                <a:r>
+                  <a:rPr lang="en-US" altLang="ko-KR" sz="2000" dirty="0"/>
+                  <a:t>.</a:t>
+                </a:r>
+              </a:p>
+              <a:p>
+                <a:pPr lvl="1"/>
+                <a:r>
+                  <a:rPr lang="en-US" altLang="ko-KR" sz="1600" dirty="0" err="1"/>
+                  <a:t>Bresenham</a:t>
+                </a:r>
+                <a:r>
+                  <a:rPr lang="en-US" altLang="ko-KR" sz="1600" dirty="0"/>
+                  <a:t> </a:t>
+                </a:r>
+                <a:r>
+                  <a:rPr lang="ko-KR" altLang="en-US" sz="1600" dirty="0"/>
+                  <a:t>원 </a:t>
+                </a:r>
+                <a:r>
+                  <a:rPr lang="en-US" altLang="ko-KR" sz="1600" dirty="0"/>
+                  <a:t>= </a:t>
+                </a:r>
+                <a:r>
+                  <a:rPr lang="ko-KR" altLang="en-US" sz="1600" dirty="0"/>
+                  <a:t>중간점 원 그리기 알고리즘 </a:t>
+                </a:r>
+                <a:r>
+                  <a:rPr lang="en-US" altLang="ko-KR" sz="1600" dirty="0"/>
+                  <a:t>+ </a:t>
+                </a:r>
+                <a:r>
+                  <a:rPr lang="en-US" altLang="ko-KR" sz="1600" dirty="0" err="1"/>
+                  <a:t>Bresenham</a:t>
+                </a:r>
+                <a:r>
+                  <a:rPr lang="ko-KR" altLang="en-US" sz="1600" dirty="0"/>
+                  <a:t> 선</a:t>
+                </a:r>
+                <a:r>
+                  <a:rPr lang="en-US" altLang="ko-KR" sz="1600" dirty="0"/>
+                  <a:t> </a:t>
+                </a:r>
+                <a:r>
+                  <a:rPr lang="ko-KR" altLang="en-US" sz="1600" dirty="0"/>
+                  <a:t>그리기 알고리즘</a:t>
+                </a:r>
+                <a:endParaRPr lang="en-US" altLang="ko-KR" sz="1600" dirty="0"/>
+              </a:p>
+              <a:p>
+                <a:pPr lvl="1"/>
+                <a:r>
+                  <a:rPr lang="ko-KR" altLang="en-US" sz="1600" dirty="0"/>
+                  <a:t>실수 연산이 아닌 정수 연산을 이용하므로 압도적으로 효율적임</a:t>
+                </a:r>
+                <a:endParaRPr lang="en-US" altLang="ko-KR" sz="2000" dirty="0"/>
+              </a:p>
+              <a:p>
+                <a:endParaRPr lang="en-US" altLang="ko-KR" sz="2000" dirty="0"/>
+              </a:p>
+              <a:p>
+                <a:endParaRPr lang="ko-KR" altLang="en-US" sz="2000" dirty="0"/>
+              </a:p>
+            </p:txBody>
+          </p:sp>
+        </mc:Choice>
+        <mc:Fallback>
+          <p:sp>
+            <p:nvSpPr>
+              <p:cNvPr id="3" name="Content Placeholder 2">
+                <a:extLst>
+                  <a:ext uri="{FF2B5EF4-FFF2-40B4-BE49-F238E27FC236}">
+                    <a16:creationId xmlns:a16="http://schemas.microsoft.com/office/drawing/2014/main" id="{D65AEEE7-5789-48F0-B47D-DFEA0E22DA1E}"/>
+                  </a:ext>
+                </a:extLst>
+              </p:cNvPr>
+              <p:cNvSpPr>
+                <a:spLocks noGrp="1" noRot="1" noChangeAspect="1" noMove="1" noResize="1" noEditPoints="1" noAdjustHandles="1" noChangeArrowheads="1" noChangeShapeType="1" noTextEdit="1"/>
+              </p:cNvSpPr>
+              <p:nvPr>
+                <p:ph idx="1"/>
+              </p:nvPr>
+            </p:nvSpPr>
+            <p:spPr>
+              <a:blipFill>
+                <a:blip r:embed="rId2"/>
+                <a:stretch>
+                  <a:fillRect l="-522" t="-1401"/>
+                </a:stretch>
+              </a:blipFill>
+            </p:spPr>
+            <p:txBody>
+              <a:bodyPr/>
+              <a:lstStyle/>
+              <a:p>
+                <a:r>
+                  <a:rPr lang="ko-KR" altLang="en-US">
+                    <a:noFill/>
+                  </a:rPr>
+                  <a:t> </a:t>
+                </a:r>
+              </a:p>
+            </p:txBody>
+          </p:sp>
+        </mc:Fallback>
+      </mc:AlternateContent>
+      <p:pic>
+        <p:nvPicPr>
+          <p:cNvPr id="5" name="Picture 4">
+            <a:extLst>
+              <a:ext uri="{FF2B5EF4-FFF2-40B4-BE49-F238E27FC236}">
+                <a16:creationId xmlns:a16="http://schemas.microsoft.com/office/drawing/2014/main" id="{1C1888BC-3A16-43FB-A6FD-7F64B1344B44}"/>
+              </a:ext>
+            </a:extLst>
+          </p:cNvPr>
+          <p:cNvPicPr>
+            <a:picLocks noChangeAspect="1"/>
+          </p:cNvPicPr>
+          <p:nvPr/>
+        </p:nvPicPr>
+        <p:blipFill>
+          <a:blip r:embed="rId3"/>
+          <a:stretch>
+            <a:fillRect/>
+          </a:stretch>
+        </p:blipFill>
+        <p:spPr>
+          <a:xfrm>
+            <a:off x="3321984" y="3288529"/>
+            <a:ext cx="5548031" cy="2678360"/>
+          </a:xfrm>
+          <a:prstGeom prst="rect">
+            <a:avLst/>
+          </a:prstGeom>
+        </p:spPr>
+      </p:pic>
+    </p:spTree>
+    <p:extLst>
+      <p:ext uri="{BB962C8B-B14F-4D97-AF65-F5344CB8AC3E}">
+        <p14:creationId xmlns:p14="http://schemas.microsoft.com/office/powerpoint/2010/main" val="267771265"/>
+      </p:ext>
+    </p:extLst>
+  </p:cSld>
+  <p:clrMapOvr>
+    <a:masterClrMapping/>
+  </p:clrMapOvr>
+</p:sld>
+</file>
+
+<file path=ppt/slides/slide6.xml><?xml version="1.0" encoding="utf-8"?>
+<p:sld xmlns:a="http://schemas.openxmlformats.org/drawingml/2006/main" xmlns:r="http://schemas.openxmlformats.org/officeDocument/2006/relationships" xmlns:p="http://schemas.openxmlformats.org/presentationml/2006/main">
+  <p:cSld>
+    <p:spTree>
+      <p:nvGrpSpPr>
+        <p:cNvPr id="1" name=""/>
+        <p:cNvGrpSpPr/>
+        <p:nvPr/>
+      </p:nvGrpSpPr>
+      <p:grpSpPr>
+        <a:xfrm>
+          <a:off x="0" y="0"/>
+          <a:ext cx="0" cy="0"/>
+          <a:chOff x="0" y="0"/>
+          <a:chExt cx="0" cy="0"/>
+        </a:xfrm>
+      </p:grpSpPr>
+      <p:sp>
+        <p:nvSpPr>
+          <p:cNvPr id="2" name="Title 1">
+            <a:extLst>
+              <a:ext uri="{FF2B5EF4-FFF2-40B4-BE49-F238E27FC236}">
+                <a16:creationId xmlns:a16="http://schemas.microsoft.com/office/drawing/2014/main" id="{8B89AC37-550A-491E-A99D-7E98551809E5}"/>
+              </a:ext>
+            </a:extLst>
+          </p:cNvPr>
+          <p:cNvSpPr>
+            <a:spLocks noGrp="1"/>
+          </p:cNvSpPr>
+          <p:nvPr>
+            <p:ph type="title"/>
+          </p:nvPr>
+        </p:nvSpPr>
+        <p:spPr/>
+        <p:txBody>
+          <a:bodyPr/>
+          <a:lstStyle/>
+          <a:p>
+            <a:r>
+              <a:rPr lang="en-US" altLang="ko-KR" dirty="0"/>
+              <a:t>Features from Accelerated Segment Test</a:t>
+            </a:r>
+            <a:endParaRPr lang="ko-KR" altLang="en-US" dirty="0"/>
+          </a:p>
+        </p:txBody>
+      </p:sp>
+      <mc:AlternateContent xmlns:mc="http://schemas.openxmlformats.org/markup-compatibility/2006">
+        <mc:Choice xmlns:a14="http://schemas.microsoft.com/office/drawing/2010/main" Requires="a14">
+          <p:sp>
+            <p:nvSpPr>
+              <p:cNvPr id="10" name="Content Placeholder 9">
+                <a:extLst>
+                  <a:ext uri="{FF2B5EF4-FFF2-40B4-BE49-F238E27FC236}">
+                    <a16:creationId xmlns:a16="http://schemas.microsoft.com/office/drawing/2014/main" id="{C5D824BD-911A-4D23-AD1D-F49A4FCDE9EC}"/>
+                  </a:ext>
+                </a:extLst>
+              </p:cNvPr>
+              <p:cNvSpPr>
+                <a:spLocks noGrp="1"/>
+              </p:cNvSpPr>
+              <p:nvPr>
+                <p:ph idx="1"/>
+              </p:nvPr>
+            </p:nvSpPr>
+            <p:spPr/>
+            <p:txBody>
+              <a:bodyPr>
+                <a:normAutofit/>
+              </a:bodyPr>
+              <a:lstStyle/>
+              <a:p>
+                <a14:m>
+                  <m:oMath xmlns:m="http://schemas.openxmlformats.org/officeDocument/2006/math">
+                    <m:r>
+                      <a:rPr lang="en-US" altLang="ko-KR" sz="2000" b="0" i="1" smtClean="0">
+                        <a:latin typeface="Cambria Math" panose="02040503050406030204" pitchFamily="18" charset="0"/>
+                      </a:rPr>
+                      <m:t>𝑛</m:t>
+                    </m:r>
+                  </m:oMath>
+                </a14:m>
+                <a:r>
+                  <a:rPr lang="ko-KR" altLang="en-US" sz="2000" dirty="0"/>
+                  <a:t>개의 </a:t>
+                </a:r>
+                <a:r>
+                  <a:rPr lang="ko-KR" altLang="en-US" sz="2000" b="1" dirty="0"/>
+                  <a:t>연속된</a:t>
+                </a:r>
+                <a:r>
+                  <a:rPr lang="en-US" altLang="ko-KR" sz="2000" dirty="0"/>
+                  <a:t> </a:t>
+                </a:r>
+                <a:r>
+                  <a:rPr lang="ko-KR" altLang="en-US" sz="2000" dirty="0"/>
+                  <a:t>화소의 강도값 </a:t>
+                </a:r>
+                <a14:m>
+                  <m:oMath xmlns:m="http://schemas.openxmlformats.org/officeDocument/2006/math">
+                    <m:sSub>
+                      <m:sSubPr>
+                        <m:ctrlPr>
+                          <a:rPr lang="en-US" altLang="ko-KR" sz="2000" b="0" i="1" smtClean="0">
+                            <a:latin typeface="Cambria Math" panose="02040503050406030204" pitchFamily="18" charset="0"/>
+                          </a:rPr>
+                        </m:ctrlPr>
+                      </m:sSubPr>
+                      <m:e>
+                        <m:r>
+                          <a:rPr lang="en-US" altLang="ko-KR" sz="2000" b="0" i="1" smtClean="0">
+                            <a:latin typeface="Cambria Math" panose="02040503050406030204" pitchFamily="18" charset="0"/>
+                          </a:rPr>
+                          <m:t>𝐼</m:t>
+                        </m:r>
+                      </m:e>
+                      <m:sub>
+                        <m:r>
+                          <a:rPr lang="en-US" altLang="ko-KR" sz="2000" b="0" i="1" smtClean="0">
+                            <a:latin typeface="Cambria Math" panose="02040503050406030204" pitchFamily="18" charset="0"/>
+                          </a:rPr>
+                          <m:t>𝑝</m:t>
+                        </m:r>
+                        <m:r>
+                          <a:rPr lang="en-US" altLang="ko-KR" sz="2000" b="0" i="1" smtClean="0">
+                            <a:latin typeface="Cambria Math" panose="02040503050406030204" pitchFamily="18" charset="0"/>
+                          </a:rPr>
+                          <m:t>→</m:t>
+                        </m:r>
+                        <m:r>
+                          <a:rPr lang="en-US" altLang="ko-KR" sz="2000" b="0" i="1" smtClean="0">
+                            <a:latin typeface="Cambria Math" panose="02040503050406030204" pitchFamily="18" charset="0"/>
+                          </a:rPr>
+                          <m:t>𝑥</m:t>
+                        </m:r>
+                      </m:sub>
+                    </m:sSub>
+                  </m:oMath>
+                </a14:m>
+                <a:r>
+                  <a:rPr lang="ko-KR" altLang="en-US" sz="2000" dirty="0"/>
+                  <a:t>에 대해</a:t>
+                </a:r>
+                <a:r>
+                  <a:rPr lang="en-US" altLang="ko-KR" sz="2000" dirty="0"/>
+                  <a:t>, </a:t>
+                </a:r>
+                <a:r>
+                  <a:rPr lang="ko-KR" altLang="en-US" sz="2000" dirty="0"/>
+                  <a:t>다음이 성립함</a:t>
+                </a:r>
+                <a:r>
+                  <a:rPr lang="en-US" altLang="ko-KR" sz="2000" dirty="0"/>
+                  <a:t>(</a:t>
+                </a:r>
+                <a:r>
+                  <a:rPr lang="ko-KR" altLang="en-US" sz="2000" dirty="0"/>
+                  <a:t>단</a:t>
+                </a:r>
+                <a:r>
+                  <a:rPr lang="en-US" altLang="ko-KR" sz="2000" dirty="0"/>
+                  <a:t>, </a:t>
+                </a:r>
+                <a14:m>
+                  <m:oMath xmlns:m="http://schemas.openxmlformats.org/officeDocument/2006/math">
+                    <m:r>
+                      <m:rPr>
+                        <m:sty m:val="p"/>
+                      </m:rPr>
+                      <a:rPr lang="en-US" altLang="ko-KR" sz="2000" b="0" i="0" smtClean="0">
+                        <a:latin typeface="Cambria Math" panose="02040503050406030204" pitchFamily="18" charset="0"/>
+                      </a:rPr>
+                      <m:t>t</m:t>
+                    </m:r>
+                  </m:oMath>
+                </a14:m>
+                <a:r>
+                  <a:rPr lang="ko-KR" altLang="en-US" sz="2000" dirty="0"/>
+                  <a:t>는 임의의 임계값</a:t>
+                </a:r>
+                <a:r>
+                  <a:rPr lang="en-US" altLang="ko-KR" sz="2000" dirty="0"/>
+                  <a:t>)</a:t>
+                </a:r>
+              </a:p>
+              <a:p>
+                <a:pPr lvl="1"/>
+                <a:r>
+                  <a:rPr lang="ko-KR" altLang="en-US" sz="1600" dirty="0"/>
+                  <a:t>이 때 정해진 </a:t>
+                </a:r>
+                <a14:m>
+                  <m:oMath xmlns:m="http://schemas.openxmlformats.org/officeDocument/2006/math">
+                    <m:r>
+                      <a:rPr lang="en-US" altLang="ko-KR" sz="1600" i="1">
+                        <a:latin typeface="Cambria Math" panose="02040503050406030204" pitchFamily="18" charset="0"/>
+                      </a:rPr>
+                      <m:t>𝑛</m:t>
+                    </m:r>
+                  </m:oMath>
+                </a14:m>
+                <a:r>
+                  <a:rPr lang="ko-KR" altLang="en-US" sz="1600" dirty="0"/>
+                  <a:t>에 따라</a:t>
+                </a:r>
+                <a:r>
+                  <a:rPr lang="en-US" altLang="ko-KR" sz="1600" dirty="0"/>
+                  <a:t>, </a:t>
+                </a:r>
+                <a:r>
+                  <a:rPr lang="ko-KR" altLang="en-US" sz="1600" dirty="0"/>
+                  <a:t>알고리즘의 이름이 </a:t>
+                </a:r>
+                <a:r>
+                  <a:rPr lang="en-US" altLang="ko-KR" sz="1600" dirty="0"/>
+                  <a:t>FAST-</a:t>
+                </a:r>
+                <a14:m>
+                  <m:oMath xmlns:m="http://schemas.openxmlformats.org/officeDocument/2006/math">
+                    <m:r>
+                      <a:rPr lang="en-US" altLang="ko-KR" sz="1600" i="1">
+                        <a:latin typeface="Cambria Math" panose="02040503050406030204" pitchFamily="18" charset="0"/>
+                      </a:rPr>
+                      <m:t>𝑛</m:t>
+                    </m:r>
+                  </m:oMath>
+                </a14:m>
+                <a:r>
+                  <a:rPr lang="ko-KR" altLang="en-US" sz="1600" dirty="0"/>
+                  <a:t>과 같이 정해짐</a:t>
+                </a:r>
+                <a:endParaRPr lang="en-US" altLang="ko-KR" sz="1600" dirty="0"/>
+              </a:p>
+              <a:p>
+                <a:endParaRPr lang="en-US" altLang="ko-KR" sz="2000" dirty="0"/>
+              </a:p>
+              <a:p>
+                <a14:m>
+                  <m:oMath xmlns:m="http://schemas.openxmlformats.org/officeDocument/2006/math">
+                    <m:sSub>
+                      <m:sSubPr>
+                        <m:ctrlPr>
+                          <a:rPr lang="en-US" altLang="ko-KR" sz="2000" b="0" i="1" smtClean="0">
+                            <a:latin typeface="Cambria Math" panose="02040503050406030204" pitchFamily="18" charset="0"/>
+                          </a:rPr>
+                        </m:ctrlPr>
+                      </m:sSubPr>
+                      <m:e>
+                        <m:r>
+                          <a:rPr lang="en-US" altLang="ko-KR" sz="2000" b="0" i="1" smtClean="0">
+                            <a:latin typeface="Cambria Math" panose="02040503050406030204" pitchFamily="18" charset="0"/>
+                          </a:rPr>
+                          <m:t>𝐼</m:t>
+                        </m:r>
+                      </m:e>
+                      <m:sub>
+                        <m:r>
+                          <a:rPr lang="en-US" altLang="ko-KR" sz="2000" b="0" i="1" smtClean="0">
+                            <a:latin typeface="Cambria Math" panose="02040503050406030204" pitchFamily="18" charset="0"/>
+                          </a:rPr>
+                          <m:t>𝑝</m:t>
+                        </m:r>
+                      </m:sub>
+                    </m:sSub>
+                    <m:r>
+                      <a:rPr lang="en-US" altLang="ko-KR" sz="2000" b="0" i="1" smtClean="0">
+                        <a:latin typeface="Cambria Math" panose="02040503050406030204" pitchFamily="18" charset="0"/>
+                      </a:rPr>
+                      <m:t>+</m:t>
+                    </m:r>
+                    <m:r>
+                      <a:rPr lang="en-US" altLang="ko-KR" sz="2000" b="0" i="1" smtClean="0">
+                        <a:latin typeface="Cambria Math" panose="02040503050406030204" pitchFamily="18" charset="0"/>
+                      </a:rPr>
+                      <m:t>𝑡</m:t>
+                    </m:r>
+                    <m:r>
+                      <a:rPr lang="en-US" altLang="ko-KR" sz="2000" b="0" i="1" smtClean="0">
+                        <a:latin typeface="Cambria Math" panose="02040503050406030204" pitchFamily="18" charset="0"/>
+                        <a:ea typeface="Cambria Math" panose="02040503050406030204" pitchFamily="18" charset="0"/>
+                      </a:rPr>
+                      <m:t>≤</m:t>
+                    </m:r>
+                    <m:sSub>
+                      <m:sSubPr>
+                        <m:ctrlPr>
+                          <a:rPr lang="en-US" altLang="ko-KR" sz="2000" b="0" i="1" smtClean="0">
+                            <a:latin typeface="Cambria Math" panose="02040503050406030204" pitchFamily="18" charset="0"/>
+                          </a:rPr>
+                        </m:ctrlPr>
+                      </m:sSubPr>
+                      <m:e>
+                        <m:r>
+                          <a:rPr lang="en-US" altLang="ko-KR" sz="2000" b="0" i="1" smtClean="0">
+                            <a:latin typeface="Cambria Math" panose="02040503050406030204" pitchFamily="18" charset="0"/>
+                          </a:rPr>
+                          <m:t>𝐼</m:t>
+                        </m:r>
+                      </m:e>
+                      <m:sub>
+                        <m:r>
+                          <a:rPr lang="en-US" altLang="ko-KR" sz="2000" b="0" i="1" smtClean="0">
+                            <a:latin typeface="Cambria Math" panose="02040503050406030204" pitchFamily="18" charset="0"/>
+                          </a:rPr>
+                          <m:t>𝑝</m:t>
+                        </m:r>
+                        <m:r>
+                          <a:rPr lang="en-US" altLang="ko-KR" sz="2000" b="0" i="1" smtClean="0">
+                            <a:latin typeface="Cambria Math" panose="02040503050406030204" pitchFamily="18" charset="0"/>
+                          </a:rPr>
+                          <m:t>→</m:t>
+                        </m:r>
+                        <m:r>
+                          <a:rPr lang="en-US" altLang="ko-KR" sz="2000" b="0" i="1" smtClean="0">
+                            <a:latin typeface="Cambria Math" panose="02040503050406030204" pitchFamily="18" charset="0"/>
+                          </a:rPr>
+                          <m:t>𝑥</m:t>
+                        </m:r>
+                      </m:sub>
+                    </m:sSub>
+                    <m:r>
+                      <a:rPr lang="en-US" altLang="ko-KR" sz="2000" b="0" i="1" smtClean="0">
+                        <a:latin typeface="Cambria Math" panose="02040503050406030204" pitchFamily="18" charset="0"/>
+                      </a:rPr>
+                      <m:t>⇒</m:t>
+                    </m:r>
+                    <m:r>
+                      <a:rPr lang="en-US" altLang="ko-KR" sz="2000" b="0" i="1" smtClean="0">
+                        <a:latin typeface="Cambria Math" panose="02040503050406030204" pitchFamily="18" charset="0"/>
+                      </a:rPr>
+                      <m:t>𝑝</m:t>
+                    </m:r>
+                    <m:r>
+                      <a:rPr lang="en-US" altLang="ko-KR" sz="2000" b="0" i="1" smtClean="0">
+                        <a:latin typeface="Cambria Math" panose="02040503050406030204" pitchFamily="18" charset="0"/>
+                      </a:rPr>
+                      <m:t>=</m:t>
+                    </m:r>
+                    <m:r>
+                      <a:rPr lang="en-US" altLang="ko-KR" sz="2000" b="0" i="1" smtClean="0">
+                        <a:latin typeface="Cambria Math" panose="02040503050406030204" pitchFamily="18" charset="0"/>
+                      </a:rPr>
+                      <m:t>𝑐𝑜𝑟𝑛𝑒𝑟</m:t>
+                    </m:r>
+                    <m:r>
+                      <a:rPr lang="en-US" altLang="ko-KR" sz="2000" b="0" i="1" smtClean="0">
+                        <a:latin typeface="Cambria Math" panose="02040503050406030204" pitchFamily="18" charset="0"/>
+                      </a:rPr>
+                      <m:t>,  </m:t>
+                    </m:r>
+                    <m:sSub>
+                      <m:sSubPr>
+                        <m:ctrlPr>
+                          <a:rPr lang="en-US" altLang="ko-KR" sz="2000" i="1">
+                            <a:latin typeface="Cambria Math" panose="02040503050406030204" pitchFamily="18" charset="0"/>
+                          </a:rPr>
+                        </m:ctrlPr>
+                      </m:sSubPr>
+                      <m:e>
+                        <m:r>
+                          <a:rPr lang="en-US" altLang="ko-KR" sz="2000" i="1">
+                            <a:latin typeface="Cambria Math" panose="02040503050406030204" pitchFamily="18" charset="0"/>
+                          </a:rPr>
+                          <m:t>𝐼</m:t>
+                        </m:r>
+                      </m:e>
+                      <m:sub>
+                        <m:r>
+                          <a:rPr lang="en-US" altLang="ko-KR" sz="2000" i="1">
+                            <a:latin typeface="Cambria Math" panose="02040503050406030204" pitchFamily="18" charset="0"/>
+                          </a:rPr>
+                          <m:t>𝑝</m:t>
+                        </m:r>
+                      </m:sub>
+                    </m:sSub>
+                    <m:r>
+                      <a:rPr lang="en-US" altLang="ko-KR" sz="2000" b="0" i="1" smtClean="0">
+                        <a:latin typeface="Cambria Math" panose="02040503050406030204" pitchFamily="18" charset="0"/>
+                      </a:rPr>
+                      <m:t>−</m:t>
+                    </m:r>
+                    <m:r>
+                      <a:rPr lang="en-US" altLang="ko-KR" sz="2000" i="1">
+                        <a:latin typeface="Cambria Math" panose="02040503050406030204" pitchFamily="18" charset="0"/>
+                      </a:rPr>
+                      <m:t>𝑡</m:t>
+                    </m:r>
+                    <m:r>
+                      <a:rPr lang="en-US" altLang="ko-KR" sz="2000" i="1">
+                        <a:latin typeface="Cambria Math" panose="02040503050406030204" pitchFamily="18" charset="0"/>
+                        <a:ea typeface="Cambria Math" panose="02040503050406030204" pitchFamily="18" charset="0"/>
+                      </a:rPr>
+                      <m:t>≥</m:t>
+                    </m:r>
+                    <m:sSub>
+                      <m:sSubPr>
+                        <m:ctrlPr>
+                          <a:rPr lang="en-US" altLang="ko-KR" sz="2000" i="1">
+                            <a:latin typeface="Cambria Math" panose="02040503050406030204" pitchFamily="18" charset="0"/>
+                          </a:rPr>
+                        </m:ctrlPr>
+                      </m:sSubPr>
+                      <m:e>
+                        <m:r>
+                          <a:rPr lang="en-US" altLang="ko-KR" sz="2000" i="1">
+                            <a:latin typeface="Cambria Math" panose="02040503050406030204" pitchFamily="18" charset="0"/>
+                          </a:rPr>
+                          <m:t>𝐼</m:t>
+                        </m:r>
+                      </m:e>
+                      <m:sub>
+                        <m:r>
+                          <a:rPr lang="en-US" altLang="ko-KR" sz="2000" i="1">
+                            <a:latin typeface="Cambria Math" panose="02040503050406030204" pitchFamily="18" charset="0"/>
+                          </a:rPr>
+                          <m:t>𝑝</m:t>
+                        </m:r>
+                        <m:r>
+                          <a:rPr lang="en-US" altLang="ko-KR" sz="2000" i="1">
+                            <a:latin typeface="Cambria Math" panose="02040503050406030204" pitchFamily="18" charset="0"/>
+                          </a:rPr>
+                          <m:t>→</m:t>
+                        </m:r>
+                        <m:r>
+                          <a:rPr lang="en-US" altLang="ko-KR" sz="2000" i="1">
+                            <a:latin typeface="Cambria Math" panose="02040503050406030204" pitchFamily="18" charset="0"/>
+                          </a:rPr>
+                          <m:t>𝑥</m:t>
+                        </m:r>
+                      </m:sub>
+                    </m:sSub>
+                    <m:r>
+                      <a:rPr lang="en-US" altLang="ko-KR" sz="2000" b="0" i="1" smtClean="0">
+                        <a:latin typeface="Cambria Math" panose="02040503050406030204" pitchFamily="18" charset="0"/>
+                      </a:rPr>
+                      <m:t>⇒</m:t>
+                    </m:r>
+                    <m:r>
+                      <a:rPr lang="en-US" altLang="ko-KR" sz="2000" b="0" i="1" smtClean="0">
+                        <a:latin typeface="Cambria Math" panose="02040503050406030204" pitchFamily="18" charset="0"/>
+                      </a:rPr>
+                      <m:t>𝑝</m:t>
+                    </m:r>
+                    <m:r>
+                      <a:rPr lang="en-US" altLang="ko-KR" sz="2000" b="0" i="1" smtClean="0">
+                        <a:latin typeface="Cambria Math" panose="02040503050406030204" pitchFamily="18" charset="0"/>
+                      </a:rPr>
+                      <m:t>=</m:t>
+                    </m:r>
+                    <m:r>
+                      <a:rPr lang="en-US" altLang="ko-KR" sz="2000" b="0" i="1" smtClean="0">
+                        <a:latin typeface="Cambria Math" panose="02040503050406030204" pitchFamily="18" charset="0"/>
+                      </a:rPr>
+                      <m:t>𝑐𝑜𝑟𝑛𝑒𝑟</m:t>
+                    </m:r>
+                  </m:oMath>
+                </a14:m>
+                <a:endParaRPr lang="ko-KR" altLang="en-US" sz="2000" dirty="0"/>
+              </a:p>
+            </p:txBody>
+          </p:sp>
+        </mc:Choice>
+        <mc:Fallback>
+          <p:sp>
+            <p:nvSpPr>
+              <p:cNvPr id="10" name="Content Placeholder 9">
+                <a:extLst>
+                  <a:ext uri="{FF2B5EF4-FFF2-40B4-BE49-F238E27FC236}">
+                    <a16:creationId xmlns:a16="http://schemas.microsoft.com/office/drawing/2014/main" id="{C5D824BD-911A-4D23-AD1D-F49A4FCDE9EC}"/>
+                  </a:ext>
+                </a:extLst>
+              </p:cNvPr>
+              <p:cNvSpPr>
+                <a:spLocks noGrp="1" noRot="1" noChangeAspect="1" noMove="1" noResize="1" noEditPoints="1" noAdjustHandles="1" noChangeArrowheads="1" noChangeShapeType="1" noTextEdit="1"/>
+              </p:cNvSpPr>
+              <p:nvPr>
+                <p:ph idx="1"/>
+              </p:nvPr>
+            </p:nvSpPr>
+            <p:spPr>
+              <a:blipFill>
+                <a:blip r:embed="rId2"/>
+                <a:stretch>
+                  <a:fillRect l="-522" t="-1401"/>
+                </a:stretch>
+              </a:blipFill>
+            </p:spPr>
+            <p:txBody>
+              <a:bodyPr/>
+              <a:lstStyle/>
+              <a:p>
+                <a:r>
+                  <a:rPr lang="ko-KR" altLang="en-US">
+                    <a:noFill/>
+                  </a:rPr>
+                  <a:t> </a:t>
+                </a:r>
+              </a:p>
+            </p:txBody>
+          </p:sp>
+        </mc:Fallback>
+      </mc:AlternateContent>
+      <p:pic>
+        <p:nvPicPr>
+          <p:cNvPr id="11" name="Picture 10">
+            <a:extLst>
+              <a:ext uri="{FF2B5EF4-FFF2-40B4-BE49-F238E27FC236}">
+                <a16:creationId xmlns:a16="http://schemas.microsoft.com/office/drawing/2014/main" id="{CA272D4B-F785-48AC-A6ED-010A47EFF689}"/>
+              </a:ext>
+            </a:extLst>
+          </p:cNvPr>
+          <p:cNvPicPr>
+            <a:picLocks noChangeAspect="1"/>
+          </p:cNvPicPr>
+          <p:nvPr/>
+        </p:nvPicPr>
+        <p:blipFill>
+          <a:blip r:embed="rId3"/>
+          <a:stretch>
+            <a:fillRect/>
+          </a:stretch>
+        </p:blipFill>
+        <p:spPr>
+          <a:xfrm>
+            <a:off x="3321984" y="3288529"/>
+            <a:ext cx="5548031" cy="2678360"/>
+          </a:xfrm>
+          <a:prstGeom prst="rect">
+            <a:avLst/>
+          </a:prstGeom>
+        </p:spPr>
+      </p:pic>
+      <p:sp>
+        <p:nvSpPr>
+          <p:cNvPr id="12" name="Rectangle 11">
+            <a:extLst>
+              <a:ext uri="{FF2B5EF4-FFF2-40B4-BE49-F238E27FC236}">
+                <a16:creationId xmlns:a16="http://schemas.microsoft.com/office/drawing/2014/main" id="{0747A47A-2AD9-4603-BE21-DA7522CA60AC}"/>
+              </a:ext>
+            </a:extLst>
+          </p:cNvPr>
+          <p:cNvSpPr/>
+          <p:nvPr/>
+        </p:nvSpPr>
+        <p:spPr>
+          <a:xfrm>
+            <a:off x="6355976" y="3683047"/>
+            <a:ext cx="1030941" cy="1030941"/>
+          </a:xfrm>
+          <a:prstGeom prst="rect">
+            <a:avLst/>
+          </a:prstGeom>
+          <a:solidFill>
+            <a:srgbClr val="00B0F0"/>
+          </a:solidFill>
+          <a:ln>
+            <a:solidFill>
+              <a:schemeClr val="tx1"/>
+            </a:solidFill>
+          </a:ln>
+        </p:spPr>
+        <p:style>
+          <a:lnRef idx="2">
+            <a:schemeClr val="accent1">
+              <a:shade val="50000"/>
+            </a:schemeClr>
+          </a:lnRef>
+          <a:fillRef idx="1">
+            <a:schemeClr val="accent1"/>
+          </a:fillRef>
+          <a:effectRef idx="0">
+            <a:schemeClr val="accent1"/>
+          </a:effectRef>
+          <a:fontRef idx="minor">
+            <a:schemeClr val="lt1"/>
+          </a:fontRef>
+        </p:style>
+        <p:txBody>
+          <a:bodyPr rtlCol="0" anchor="ctr"/>
+          <a:lstStyle/>
+          <a:p>
+            <a:pPr algn="ctr"/>
+            <a:endParaRPr lang="ko-KR" altLang="en-US"/>
+          </a:p>
+        </p:txBody>
+      </p:sp>
+    </p:spTree>
+    <p:extLst>
+      <p:ext uri="{BB962C8B-B14F-4D97-AF65-F5344CB8AC3E}">
+        <p14:creationId xmlns:p14="http://schemas.microsoft.com/office/powerpoint/2010/main" val="843865814"/>
+      </p:ext>
+    </p:extLst>
+  </p:cSld>
+  <p:clrMapOvr>
+    <a:masterClrMapping/>
+  </p:clrMapOvr>
+</p:sld>
+</file>
+
+<file path=ppt/slides/slide7.xml><?xml version="1.0" encoding="utf-8"?>
+<p:sld xmlns:a="http://schemas.openxmlformats.org/drawingml/2006/main" xmlns:r="http://schemas.openxmlformats.org/officeDocument/2006/relationships" xmlns:p="http://schemas.openxmlformats.org/presentationml/2006/main">
+  <p:cSld>
+    <p:spTree>
+      <p:nvGrpSpPr>
+        <p:cNvPr id="1" name=""/>
+        <p:cNvGrpSpPr/>
+        <p:nvPr/>
+      </p:nvGrpSpPr>
+      <p:grpSpPr>
+        <a:xfrm>
+          <a:off x="0" y="0"/>
+          <a:ext cx="0" cy="0"/>
+          <a:chOff x="0" y="0"/>
+          <a:chExt cx="0" cy="0"/>
+        </a:xfrm>
+      </p:grpSpPr>
+      <p:sp>
+        <p:nvSpPr>
+          <p:cNvPr id="2" name="Title 1">
+            <a:extLst>
+              <a:ext uri="{FF2B5EF4-FFF2-40B4-BE49-F238E27FC236}">
+                <a16:creationId xmlns:a16="http://schemas.microsoft.com/office/drawing/2014/main" id="{E36247FB-109E-4D71-A5E6-9E07263F4A49}"/>
+              </a:ext>
+            </a:extLst>
+          </p:cNvPr>
+          <p:cNvSpPr>
+            <a:spLocks noGrp="1"/>
+          </p:cNvSpPr>
+          <p:nvPr>
+            <p:ph type="title"/>
+          </p:nvPr>
+        </p:nvSpPr>
+        <p:spPr/>
+        <p:txBody>
+          <a:bodyPr/>
+          <a:lstStyle/>
+          <a:p>
+            <a:r>
+              <a:rPr lang="en-US" altLang="ko-KR" dirty="0"/>
+              <a:t>Features from Accelerated Segment Test</a:t>
+            </a:r>
+            <a:endParaRPr lang="ko-KR" altLang="en-US" dirty="0"/>
+          </a:p>
+        </p:txBody>
+      </p:sp>
+      <p:sp>
+        <p:nvSpPr>
+          <p:cNvPr id="3" name="Content Placeholder 2">
+            <a:extLst>
+              <a:ext uri="{FF2B5EF4-FFF2-40B4-BE49-F238E27FC236}">
+                <a16:creationId xmlns:a16="http://schemas.microsoft.com/office/drawing/2014/main" id="{F4A64176-C5EE-4A1C-B870-06D09C857498}"/>
+              </a:ext>
+            </a:extLst>
+          </p:cNvPr>
+          <p:cNvSpPr>
+            <a:spLocks noGrp="1"/>
+          </p:cNvSpPr>
+          <p:nvPr>
+            <p:ph idx="1"/>
+          </p:nvPr>
+        </p:nvSpPr>
+        <p:spPr/>
+        <p:txBody>
+          <a:bodyPr/>
+          <a:lstStyle/>
+          <a:p>
+            <a:r>
+              <a:rPr lang="ko-KR" altLang="en-US" dirty="0"/>
+              <a:t>무신러닝</a:t>
+            </a:r>
+            <a:r>
+              <a:rPr lang="en-US" altLang="ko-KR"/>
+              <a:t>;</a:t>
+            </a:r>
+            <a:endParaRPr lang="ko-KR" altLang="en-US" dirty="0"/>
+          </a:p>
+        </p:txBody>
+      </p:sp>
+    </p:spTree>
+    <p:extLst>
+      <p:ext uri="{BB962C8B-B14F-4D97-AF65-F5344CB8AC3E}">
+        <p14:creationId xmlns:p14="http://schemas.microsoft.com/office/powerpoint/2010/main" val="2810551180"/>
       </p:ext>
     </p:extLst>
   </p:cSld>
